--- a/CPT111_Java Programming/Mingyuan.Li_2145618.pptx
+++ b/CPT111_Java Programming/Mingyuan.Li_2145618.pptx
@@ -265,7 +265,7 @@
           <a:p>
             <a:fld id="{E3D17B11-CCD8-4EEC-AD7E-F410C1454966}" type="datetimeFigureOut">
               <a:rPr lang="zh-CN" altLang="en-US" smtClean="0"/>
-              <a:t>2022/12/17</a:t>
+              <a:t>2024/12/21</a:t>
             </a:fld>
             <a:endParaRPr lang="zh-CN" altLang="en-US"/>
           </a:p>
@@ -433,7 +433,7 @@
           <a:p>
             <a:fld id="{E3D17B11-CCD8-4EEC-AD7E-F410C1454966}" type="datetimeFigureOut">
               <a:rPr lang="zh-CN" altLang="en-US" smtClean="0"/>
-              <a:t>2022/12/17</a:t>
+              <a:t>2024/12/21</a:t>
             </a:fld>
             <a:endParaRPr lang="zh-CN" altLang="en-US"/>
           </a:p>
@@ -611,7 +611,7 @@
           <a:p>
             <a:fld id="{E3D17B11-CCD8-4EEC-AD7E-F410C1454966}" type="datetimeFigureOut">
               <a:rPr lang="zh-CN" altLang="en-US" smtClean="0"/>
-              <a:t>2022/12/17</a:t>
+              <a:t>2024/12/21</a:t>
             </a:fld>
             <a:endParaRPr lang="zh-CN" altLang="en-US"/>
           </a:p>
@@ -779,7 +779,7 @@
           <a:p>
             <a:fld id="{E3D17B11-CCD8-4EEC-AD7E-F410C1454966}" type="datetimeFigureOut">
               <a:rPr lang="zh-CN" altLang="en-US" smtClean="0"/>
-              <a:t>2022/12/17</a:t>
+              <a:t>2024/12/21</a:t>
             </a:fld>
             <a:endParaRPr lang="zh-CN" altLang="en-US"/>
           </a:p>
@@ -1024,7 +1024,7 @@
           <a:p>
             <a:fld id="{E3D17B11-CCD8-4EEC-AD7E-F410C1454966}" type="datetimeFigureOut">
               <a:rPr lang="zh-CN" altLang="en-US" smtClean="0"/>
-              <a:t>2022/12/17</a:t>
+              <a:t>2024/12/21</a:t>
             </a:fld>
             <a:endParaRPr lang="zh-CN" altLang="en-US"/>
           </a:p>
@@ -1253,7 +1253,7 @@
           <a:p>
             <a:fld id="{E3D17B11-CCD8-4EEC-AD7E-F410C1454966}" type="datetimeFigureOut">
               <a:rPr lang="zh-CN" altLang="en-US" smtClean="0"/>
-              <a:t>2022/12/17</a:t>
+              <a:t>2024/12/21</a:t>
             </a:fld>
             <a:endParaRPr lang="zh-CN" altLang="en-US"/>
           </a:p>
@@ -1617,7 +1617,7 @@
           <a:p>
             <a:fld id="{E3D17B11-CCD8-4EEC-AD7E-F410C1454966}" type="datetimeFigureOut">
               <a:rPr lang="zh-CN" altLang="en-US" smtClean="0"/>
-              <a:t>2022/12/17</a:t>
+              <a:t>2024/12/21</a:t>
             </a:fld>
             <a:endParaRPr lang="zh-CN" altLang="en-US"/>
           </a:p>
@@ -1734,7 +1734,7 @@
           <a:p>
             <a:fld id="{E3D17B11-CCD8-4EEC-AD7E-F410C1454966}" type="datetimeFigureOut">
               <a:rPr lang="zh-CN" altLang="en-US" smtClean="0"/>
-              <a:t>2022/12/17</a:t>
+              <a:t>2024/12/21</a:t>
             </a:fld>
             <a:endParaRPr lang="zh-CN" altLang="en-US"/>
           </a:p>
@@ -1829,7 +1829,7 @@
           <a:p>
             <a:fld id="{E3D17B11-CCD8-4EEC-AD7E-F410C1454966}" type="datetimeFigureOut">
               <a:rPr lang="zh-CN" altLang="en-US" smtClean="0"/>
-              <a:t>2022/12/17</a:t>
+              <a:t>2024/12/21</a:t>
             </a:fld>
             <a:endParaRPr lang="zh-CN" altLang="en-US"/>
           </a:p>
@@ -2104,7 +2104,7 @@
           <a:p>
             <a:fld id="{E3D17B11-CCD8-4EEC-AD7E-F410C1454966}" type="datetimeFigureOut">
               <a:rPr lang="zh-CN" altLang="en-US" smtClean="0"/>
-              <a:t>2022/12/17</a:t>
+              <a:t>2024/12/21</a:t>
             </a:fld>
             <a:endParaRPr lang="zh-CN" altLang="en-US"/>
           </a:p>
@@ -2356,7 +2356,7 @@
           <a:p>
             <a:fld id="{E3D17B11-CCD8-4EEC-AD7E-F410C1454966}" type="datetimeFigureOut">
               <a:rPr lang="zh-CN" altLang="en-US" smtClean="0"/>
-              <a:t>2022/12/17</a:t>
+              <a:t>2024/12/21</a:t>
             </a:fld>
             <a:endParaRPr lang="zh-CN" altLang="en-US"/>
           </a:p>
@@ -2567,7 +2567,7 @@
           <a:p>
             <a:fld id="{E3D17B11-CCD8-4EEC-AD7E-F410C1454966}" type="datetimeFigureOut">
               <a:rPr lang="zh-CN" altLang="en-US" smtClean="0"/>
-              <a:t>2022/12/17</a:t>
+              <a:t>2024/12/21</a:t>
             </a:fld>
             <a:endParaRPr lang="zh-CN" altLang="en-US"/>
           </a:p>
@@ -3209,36 +3209,6 @@
           </a:prstGeom>
         </p:spPr>
       </p:pic>
-      <p:pic>
-        <p:nvPicPr>
-          <p:cNvPr id="7" name="图片 7">
-            <a:extLst>
-              <a:ext uri="{FF2B5EF4-FFF2-40B4-BE49-F238E27FC236}">
-                <a16:creationId xmlns:a16="http://schemas.microsoft.com/office/drawing/2014/main" id="{E4151914-3751-1406-3592-EF085561D899}"/>
-              </a:ext>
-            </a:extLst>
-          </p:cNvPr>
-          <p:cNvPicPr>
-            <a:picLocks noChangeAspect="1"/>
-          </p:cNvPicPr>
-          <p:nvPr/>
-        </p:nvPicPr>
-        <p:blipFill>
-          <a:blip r:embed="rId5"/>
-          <a:stretch>
-            <a:fillRect/>
-          </a:stretch>
-        </p:blipFill>
-        <p:spPr>
-          <a:xfrm>
-            <a:off x="-2060" y="4512305"/>
-            <a:ext cx="5193956" cy="1663982"/>
-          </a:xfrm>
-          <a:prstGeom prst="rect">
-            <a:avLst/>
-          </a:prstGeom>
-        </p:spPr>
-      </p:pic>
       <p:sp>
         <p:nvSpPr>
           <p:cNvPr id="8" name="文本框 7">
